--- a/Kotlin Programming Language.pptx
+++ b/Kotlin Programming Language.pptx
@@ -10,7 +10,9 @@
     <p:sldId id="260" r:id="rId4"/>
     <p:sldId id="261" r:id="rId5"/>
     <p:sldId id="258" r:id="rId6"/>
-    <p:sldId id="259" r:id="rId7"/>
+    <p:sldId id="263" r:id="rId7"/>
+    <p:sldId id="262" r:id="rId8"/>
+    <p:sldId id="264" r:id="rId9"/>
   </p:sldIdLst>
   <p:sldSz cx="9144000" cy="6858000" type="screen4x3"/>
   <p:notesSz cx="6858000" cy="9144000"/>
@@ -418,7 +420,7 @@
           <a:p>
             <a:fld id="{F2DB3399-408F-499C-893C-ED1CCE49FF8B}" type="datetimeFigureOut">
               <a:rPr lang="ru-RU" smtClean="0"/>
-              <a:t>08.05.2019</a:t>
+              <a:t>13.05.2019</a:t>
             </a:fld>
             <a:endParaRPr lang="ru-RU"/>
           </a:p>
@@ -603,7 +605,7 @@
           <a:p>
             <a:fld id="{F2DB3399-408F-499C-893C-ED1CCE49FF8B}" type="datetimeFigureOut">
               <a:rPr lang="ru-RU" smtClean="0"/>
-              <a:t>08.05.2019</a:t>
+              <a:t>13.05.2019</a:t>
             </a:fld>
             <a:endParaRPr lang="ru-RU"/>
           </a:p>
@@ -788,7 +790,7 @@
           <a:p>
             <a:fld id="{F2DB3399-408F-499C-893C-ED1CCE49FF8B}" type="datetimeFigureOut">
               <a:rPr lang="ru-RU" smtClean="0"/>
-              <a:t>08.05.2019</a:t>
+              <a:t>13.05.2019</a:t>
             </a:fld>
             <a:endParaRPr lang="ru-RU"/>
           </a:p>
@@ -973,7 +975,7 @@
           <a:p>
             <a:fld id="{F2DB3399-408F-499C-893C-ED1CCE49FF8B}" type="datetimeFigureOut">
               <a:rPr lang="ru-RU" smtClean="0"/>
-              <a:t>08.05.2019</a:t>
+              <a:t>13.05.2019</a:t>
             </a:fld>
             <a:endParaRPr lang="ru-RU"/>
           </a:p>
@@ -1354,7 +1356,7 @@
           <a:p>
             <a:fld id="{F2DB3399-408F-499C-893C-ED1CCE49FF8B}" type="datetimeFigureOut">
               <a:rPr lang="ru-RU" smtClean="0"/>
-              <a:t>08.05.2019</a:t>
+              <a:t>13.05.2019</a:t>
             </a:fld>
             <a:endParaRPr lang="ru-RU"/>
           </a:p>
@@ -1623,7 +1625,7 @@
           <a:p>
             <a:fld id="{F2DB3399-408F-499C-893C-ED1CCE49FF8B}" type="datetimeFigureOut">
               <a:rPr lang="ru-RU" smtClean="0"/>
-              <a:t>08.05.2019</a:t>
+              <a:t>13.05.2019</a:t>
             </a:fld>
             <a:endParaRPr lang="ru-RU"/>
           </a:p>
@@ -2008,7 +2010,7 @@
           <a:p>
             <a:fld id="{F2DB3399-408F-499C-893C-ED1CCE49FF8B}" type="datetimeFigureOut">
               <a:rPr lang="ru-RU" smtClean="0"/>
-              <a:t>08.05.2019</a:t>
+              <a:t>13.05.2019</a:t>
             </a:fld>
             <a:endParaRPr lang="ru-RU"/>
           </a:p>
@@ -2129,7 +2131,7 @@
           <a:p>
             <a:fld id="{F2DB3399-408F-499C-893C-ED1CCE49FF8B}" type="datetimeFigureOut">
               <a:rPr lang="ru-RU" smtClean="0"/>
-              <a:t>08.05.2019</a:t>
+              <a:t>13.05.2019</a:t>
             </a:fld>
             <a:endParaRPr lang="ru-RU"/>
           </a:p>
@@ -2309,7 +2311,7 @@
           <a:p>
             <a:fld id="{F2DB3399-408F-499C-893C-ED1CCE49FF8B}" type="datetimeFigureOut">
               <a:rPr lang="ru-RU" smtClean="0"/>
-              <a:t>08.05.2019</a:t>
+              <a:t>13.05.2019</a:t>
             </a:fld>
             <a:endParaRPr lang="ru-RU"/>
           </a:p>
@@ -2643,7 +2645,7 @@
           <a:p>
             <a:fld id="{F2DB3399-408F-499C-893C-ED1CCE49FF8B}" type="datetimeFigureOut">
               <a:rPr lang="ru-RU" smtClean="0"/>
-              <a:t>08.05.2019</a:t>
+              <a:t>13.05.2019</a:t>
             </a:fld>
             <a:endParaRPr lang="ru-RU"/>
           </a:p>
@@ -3012,7 +3014,7 @@
           <a:p>
             <a:fld id="{F2DB3399-408F-499C-893C-ED1CCE49FF8B}" type="datetimeFigureOut">
               <a:rPr lang="ru-RU" smtClean="0"/>
-              <a:t>08.05.2019</a:t>
+              <a:t>13.05.2019</a:t>
             </a:fld>
             <a:endParaRPr lang="ru-RU"/>
           </a:p>
@@ -3439,7 +3441,7 @@
           <a:p>
             <a:fld id="{F2DB3399-408F-499C-893C-ED1CCE49FF8B}" type="datetimeFigureOut">
               <a:rPr lang="ru-RU" smtClean="0"/>
-              <a:t>08.05.2019</a:t>
+              <a:t>13.05.2019</a:t>
             </a:fld>
             <a:endParaRPr lang="ru-RU"/>
           </a:p>
@@ -4045,13 +4047,13 @@
   <p:clrMapOvr>
     <a:masterClrMapping/>
   </p:clrMapOvr>
-  <mc:AlternateContent xmlns:mc="http://schemas.openxmlformats.org/markup-compatibility/2006">
-    <mc:Choice xmlns:p14="http://schemas.microsoft.com/office/powerpoint/2010/main" Requires="p14">
+  <mc:AlternateContent xmlns:mc="http://schemas.openxmlformats.org/markup-compatibility/2006" xmlns:p14="http://schemas.microsoft.com/office/powerpoint/2010/main">
+    <mc:Choice Requires="p14">
       <p:transition spd="slow" p14:dur="3400">
         <p14:reveal/>
       </p:transition>
     </mc:Choice>
-    <mc:Fallback>
+    <mc:Fallback xmlns="">
       <p:transition spd="slow">
         <p:fade/>
       </p:transition>
@@ -4172,7 +4174,7 @@
         <p:spPr>
           <a:xfrm>
             <a:off x="512117" y="404664"/>
-            <a:ext cx="8064896" cy="3970318"/>
+            <a:ext cx="8064896" cy="5016758"/>
           </a:xfrm>
           <a:prstGeom prst="rect">
             <a:avLst/>
@@ -4185,40 +4187,40 @@
           <a:lstStyle/>
           <a:p>
             <a:r>
-              <a:rPr lang="en-US" sz="2800" dirty="0" err="1"/>
+              <a:rPr lang="en-US" sz="3200" dirty="0" err="1"/>
               <a:t>Kotlin</a:t>
             </a:r>
             <a:r>
-              <a:rPr lang="en-US" sz="2800" dirty="0"/>
+              <a:rPr lang="en-US" sz="3200" dirty="0"/>
               <a:t> is General Purpose Language that can run on the JVM, or being </a:t>
             </a:r>
             <a:r>
-              <a:rPr lang="en-US" sz="2800" dirty="0" err="1"/>
+              <a:rPr lang="en-US" sz="3200" dirty="0" err="1"/>
               <a:t>transpiled</a:t>
             </a:r>
             <a:r>
-              <a:rPr lang="en-US" sz="2800" dirty="0"/>
+              <a:rPr lang="en-US" sz="3200" dirty="0"/>
               <a:t> to JavaScript (with native compilation in the making). It means it can be used to write all sort of applications and those applications can run wherever we have a JVM (so basically everywhere) and even in the browser.</a:t>
             </a:r>
           </a:p>
           <a:p>
             <a:r>
-              <a:rPr lang="en-US" sz="2800" dirty="0"/>
+              <a:rPr lang="en-US" sz="3200" dirty="0"/>
               <a:t>It also means that it can reuse Java libraries or </a:t>
             </a:r>
             <a:r>
-              <a:rPr lang="en-US" sz="2800" dirty="0" err="1"/>
+              <a:rPr lang="en-US" sz="3200" dirty="0" err="1"/>
               <a:t>Javascript</a:t>
             </a:r>
             <a:r>
-              <a:rPr lang="en-US" sz="2800" dirty="0"/>
+              <a:rPr lang="en-US" sz="3200" dirty="0"/>
               <a:t> libraries</a:t>
             </a:r>
             <a:r>
-              <a:rPr lang="en-US" sz="2800" dirty="0" smtClean="0"/>
+              <a:rPr lang="en-US" sz="3200" dirty="0" smtClean="0"/>
               <a:t>.</a:t>
             </a:r>
-            <a:endParaRPr lang="ru-RU" sz="2800" dirty="0"/>
+            <a:endParaRPr lang="ru-RU" sz="3200" dirty="0"/>
           </a:p>
         </p:txBody>
       </p:sp>
@@ -4232,13 +4234,13 @@
   <p:clrMapOvr>
     <a:masterClrMapping/>
   </p:clrMapOvr>
-  <mc:AlternateContent xmlns:mc="http://schemas.openxmlformats.org/markup-compatibility/2006">
-    <mc:Choice xmlns:p14="http://schemas.microsoft.com/office/powerpoint/2010/main" Requires="p14">
+  <mc:AlternateContent xmlns:mc="http://schemas.openxmlformats.org/markup-compatibility/2006" xmlns:p14="http://schemas.microsoft.com/office/powerpoint/2010/main">
+    <mc:Choice Requires="p14">
       <p:transition spd="slow" p14:dur="3400">
         <p14:reveal/>
       </p:transition>
     </mc:Choice>
-    <mc:Fallback>
+    <mc:Fallback xmlns="">
       <p:transition spd="slow">
         <p:fade/>
       </p:transition>
@@ -4359,7 +4361,7 @@
         <p:spPr>
           <a:xfrm>
             <a:off x="512117" y="404664"/>
-            <a:ext cx="8064896" cy="3539430"/>
+            <a:ext cx="8064896" cy="4524315"/>
           </a:xfrm>
           <a:prstGeom prst="rect">
             <a:avLst/>
@@ -4371,14 +4373,14 @@
           </a:bodyPr>
           <a:lstStyle/>
           <a:p>
-            <a:endParaRPr lang="en-US" sz="2800" dirty="0"/>
-          </a:p>
-          <a:p>
-            <a:r>
-              <a:rPr lang="en-US" sz="2800" dirty="0"/>
+            <a:endParaRPr lang="en-US" sz="3200" dirty="0" smtClean="0"/>
+          </a:p>
+          <a:p>
+            <a:r>
+              <a:rPr lang="en-US" sz="3200" dirty="0" smtClean="0"/>
               <a:t>The language itself is a modern, concise and powerful language. It does not present a revolution w.r.t. existing languages, it just permits to developers to write understandable code easily. It supports data classes, lambdas, functional programming and object-oriented programming.</a:t>
             </a:r>
-            <a:endParaRPr lang="en-US" sz="2800" dirty="0"/>
+            <a:endParaRPr lang="en-US" sz="3200" dirty="0"/>
           </a:p>
         </p:txBody>
       </p:sp>
@@ -4392,13 +4394,13 @@
   <p:clrMapOvr>
     <a:masterClrMapping/>
   </p:clrMapOvr>
-  <mc:AlternateContent xmlns:mc="http://schemas.openxmlformats.org/markup-compatibility/2006">
-    <mc:Choice xmlns:p14="http://schemas.microsoft.com/office/powerpoint/2010/main" Requires="p14">
+  <mc:AlternateContent xmlns:mc="http://schemas.openxmlformats.org/markup-compatibility/2006" xmlns:p14="http://schemas.microsoft.com/office/powerpoint/2010/main">
+    <mc:Choice Requires="p14">
       <p:transition spd="slow" p14:dur="3400">
         <p14:reveal/>
       </p:transition>
     </mc:Choice>
-    <mc:Fallback>
+    <mc:Fallback xmlns="">
       <p:transition spd="slow">
         <p:fade/>
       </p:transition>
@@ -4588,11 +4590,378 @@
           <a:chExt cx="0" cy="0"/>
         </a:xfrm>
       </p:grpSpPr>
+      <p:sp>
+        <p:nvSpPr>
+          <p:cNvPr id="2" name="AutoShape 2" descr="ÐÐ°ÑÑÐ¸Ð½ÐºÐ¸ Ð¿Ð¾ Ð·Ð°Ð¿ÑÐ¾ÑÑ KOTLIN VS"/>
+          <p:cNvSpPr>
+            <a:spLocks noChangeAspect="1" noChangeArrowheads="1"/>
+          </p:cNvSpPr>
+          <p:nvPr/>
+        </p:nvSpPr>
+        <p:spPr bwMode="auto">
+          <a:xfrm>
+            <a:off x="155575" y="-144463"/>
+            <a:ext cx="304800" cy="304801"/>
+          </a:xfrm>
+          <a:prstGeom prst="rect">
+            <a:avLst/>
+          </a:prstGeom>
+          <a:noFill/>
+          <a:extLst>
+            <a:ext uri="{909E8E84-426E-40DD-AFC4-6F175D3DCCD1}">
+              <a14:hiddenFill xmlns:a14="http://schemas.microsoft.com/office/drawing/2010/main">
+                <a:solidFill>
+                  <a:srgbClr val="FFFFFF"/>
+                </a:solidFill>
+              </a14:hiddenFill>
+            </a:ext>
+          </a:extLst>
+        </p:spPr>
+        <p:txBody>
+          <a:bodyPr vert="horz" wrap="square" lIns="91440" tIns="45720" rIns="91440" bIns="45720" numCol="1" anchor="t" anchorCtr="0" compatLnSpc="1">
+            <a:prstTxWarp prst="textNoShape">
+              <a:avLst/>
+            </a:prstTxWarp>
+          </a:bodyPr>
+          <a:lstStyle/>
+          <a:p>
+            <a:endParaRPr lang="ru-RU"/>
+          </a:p>
+        </p:txBody>
+      </p:sp>
       <p:pic>
         <p:nvPicPr>
-          <p:cNvPr id="2050" name="Picture 2" descr="E:\Рабочий стол\1_3x1QE3VzG5MWi5Qk6C-HLQ.gif"/>
+          <p:cNvPr id="1028" name="Picture 4" descr="ÐÐ°ÑÑÐ¸Ð½ÐºÐ¸ Ð¿Ð¾ Ð·Ð°Ð¿ÑÐ¾ÑÑ KOTLIN VS"/>
           <p:cNvPicPr>
-            <a:picLocks noChangeAspect="1" noChangeArrowheads="1" noCrop="1"/>
+            <a:picLocks noChangeAspect="1" noChangeArrowheads="1"/>
+          </p:cNvPicPr>
+          <p:nvPr/>
+        </p:nvPicPr>
+        <p:blipFill rotWithShape="1">
+          <a:blip r:embed="rId2">
+            <a:extLst>
+              <a:ext uri="{28A0092B-C50C-407E-A947-70E740481C1C}">
+                <a14:useLocalDpi xmlns:a14="http://schemas.microsoft.com/office/drawing/2010/main" val="0"/>
+              </a:ext>
+            </a:extLst>
+          </a:blip>
+          <a:srcRect t="13930"/>
+          <a:stretch/>
+        </p:blipFill>
+        <p:spPr bwMode="auto">
+          <a:xfrm>
+            <a:off x="611560" y="836712"/>
+            <a:ext cx="8058150" cy="4834476"/>
+          </a:xfrm>
+          <a:prstGeom prst="rect">
+            <a:avLst/>
+          </a:prstGeom>
+          <a:noFill/>
+          <a:ln>
+            <a:solidFill>
+              <a:schemeClr val="tx2"/>
+            </a:solidFill>
+          </a:ln>
+          <a:extLst>
+            <a:ext uri="{909E8E84-426E-40DD-AFC4-6F175D3DCCD1}">
+              <a14:hiddenFill xmlns:a14="http://schemas.microsoft.com/office/drawing/2010/main">
+                <a:solidFill>
+                  <a:srgbClr val="FFFFFF"/>
+                </a:solidFill>
+              </a14:hiddenFill>
+            </a:ext>
+          </a:extLst>
+        </p:spPr>
+      </p:pic>
+    </p:spTree>
+    <p:extLst>
+      <p:ext uri="{BB962C8B-B14F-4D97-AF65-F5344CB8AC3E}">
+        <p14:creationId xmlns:p14="http://schemas.microsoft.com/office/powerpoint/2010/main" val="3135721609"/>
+      </p:ext>
+    </p:extLst>
+  </p:cSld>
+  <p:clrMapOvr>
+    <a:masterClrMapping/>
+  </p:clrMapOvr>
+  <mc:AlternateContent xmlns:mc="http://schemas.openxmlformats.org/markup-compatibility/2006" xmlns:p14="http://schemas.microsoft.com/office/powerpoint/2010/main">
+    <mc:Choice Requires="p14">
+      <p:transition spd="slow" p14:dur="3400">
+        <p14:reveal/>
+      </p:transition>
+    </mc:Choice>
+    <mc:Fallback xmlns="">
+      <p:transition spd="slow">
+        <p:fade/>
+      </p:transition>
+    </mc:Fallback>
+  </mc:AlternateContent>
+  <p:timing>
+    <p:tnLst>
+      <p:par>
+        <p:cTn id="1" dur="indefinite" restart="never" nodeType="tmRoot"/>
+      </p:par>
+    </p:tnLst>
+  </p:timing>
+</p:sld>
+</file>
+
+<file path=ppt/slides/slide7.xml><?xml version="1.0" encoding="utf-8"?>
+<p:sld xmlns:a="http://schemas.openxmlformats.org/drawingml/2006/main" xmlns:r="http://schemas.openxmlformats.org/officeDocument/2006/relationships" xmlns:p="http://schemas.openxmlformats.org/presentationml/2006/main" showMasterSp="0">
+  <p:cSld>
+    <p:spTree>
+      <p:nvGrpSpPr>
+        <p:cNvPr id="1" name=""/>
+        <p:cNvGrpSpPr/>
+        <p:nvPr/>
+      </p:nvGrpSpPr>
+      <p:grpSpPr>
+        <a:xfrm>
+          <a:off x="0" y="0"/>
+          <a:ext cx="0" cy="0"/>
+          <a:chOff x="0" y="0"/>
+          <a:chExt cx="0" cy="0"/>
+        </a:xfrm>
+      </p:grpSpPr>
+      <p:sp>
+        <p:nvSpPr>
+          <p:cNvPr id="5" name="Прямоугольник 4"/>
+          <p:cNvSpPr/>
+          <p:nvPr/>
+        </p:nvSpPr>
+        <p:spPr>
+          <a:xfrm>
+            <a:off x="683568" y="620688"/>
+            <a:ext cx="8064896" cy="5262979"/>
+          </a:xfrm>
+          <a:prstGeom prst="rect">
+            <a:avLst/>
+          </a:prstGeom>
+        </p:spPr>
+        <p:txBody>
+          <a:bodyPr wrap="square">
+            <a:spAutoFit/>
+          </a:bodyPr>
+          <a:lstStyle/>
+          <a:p>
+            <a:r>
+              <a:rPr lang="en-US" sz="2800" b="1" dirty="0" err="1"/>
+              <a:t>Kotlin</a:t>
+            </a:r>
+            <a:r>
+              <a:rPr lang="en-US" sz="2800" b="1" dirty="0"/>
+              <a:t> features enable more concise and understandable code than Java without sacrificing performance or safety</a:t>
+            </a:r>
+            <a:r>
+              <a:rPr lang="en-US" sz="2800" b="1" dirty="0" smtClean="0"/>
+              <a:t>. </a:t>
+            </a:r>
+            <a:r>
+              <a:rPr lang="en-US" sz="2800" b="1" dirty="0" err="1"/>
+              <a:t>Kotlin</a:t>
+            </a:r>
+            <a:r>
+              <a:rPr lang="en-US" sz="2800" b="1" dirty="0"/>
+              <a:t> compiles to </a:t>
+            </a:r>
+            <a:r>
+              <a:rPr lang="en-US" sz="2800" b="1" dirty="0" err="1"/>
+              <a:t>bytecode</a:t>
+            </a:r>
+            <a:r>
+              <a:rPr lang="en-US" sz="2800" b="1" dirty="0"/>
+              <a:t>, so it can perform just as well as Java. It's got the same compile-time checks as </a:t>
+            </a:r>
+            <a:r>
+              <a:rPr lang="en-US" sz="2800" b="1" dirty="0" smtClean="0"/>
+              <a:t>Java.</a:t>
+            </a:r>
+            <a:r>
+              <a:rPr lang="en-US" sz="2800" b="1" dirty="0"/>
+              <a:t> And most importantly, </a:t>
+            </a:r>
+            <a:r>
+              <a:rPr lang="en-US" sz="2800" b="1" dirty="0" err="1"/>
+              <a:t>Kotlin's</a:t>
+            </a:r>
+            <a:r>
+              <a:rPr lang="en-US" sz="2800" b="1" dirty="0"/>
+              <a:t> language features and standard library functions enable succinct, effective code</a:t>
+            </a:r>
+            <a:r>
+              <a:rPr lang="en-US" sz="2800" b="1" dirty="0" smtClean="0"/>
+              <a:t>. </a:t>
+            </a:r>
+            <a:r>
+              <a:rPr lang="en-US" sz="2800" dirty="0"/>
+              <a:t> </a:t>
+            </a:r>
+            <a:endParaRPr lang="en-US" sz="2800" dirty="0" smtClean="0"/>
+          </a:p>
+          <a:p>
+            <a:r>
+              <a:rPr lang="en-US" sz="2800" b="1" dirty="0" err="1"/>
+              <a:t>Kotlin</a:t>
+            </a:r>
+            <a:r>
+              <a:rPr lang="en-US" sz="2800" b="1" dirty="0"/>
+              <a:t> can convert any Java code into its </a:t>
+            </a:r>
+            <a:r>
+              <a:rPr lang="en-US" sz="2800" b="1" dirty="0" err="1"/>
+              <a:t>Kotlin</a:t>
+            </a:r>
+            <a:r>
+              <a:rPr lang="en-US" sz="2800" b="1" dirty="0"/>
+              <a:t> equivalent and this way the Java coders are not left behind with its open source </a:t>
+            </a:r>
+            <a:r>
+              <a:rPr lang="en-US" sz="2800" b="1" dirty="0" err="1" smtClean="0"/>
+              <a:t>communit</a:t>
+            </a:r>
+            <a:r>
+              <a:rPr lang="en-US" sz="2800" b="1" dirty="0"/>
+              <a:t>.</a:t>
+            </a:r>
+          </a:p>
+          <a:p>
+            <a:endParaRPr lang="en-US" sz="2800" b="1" dirty="0"/>
+          </a:p>
+        </p:txBody>
+      </p:sp>
+    </p:spTree>
+    <p:extLst>
+      <p:ext uri="{BB962C8B-B14F-4D97-AF65-F5344CB8AC3E}">
+        <p14:creationId xmlns:p14="http://schemas.microsoft.com/office/powerpoint/2010/main" val="2600875334"/>
+      </p:ext>
+    </p:extLst>
+  </p:cSld>
+  <p:clrMapOvr>
+    <a:masterClrMapping/>
+  </p:clrMapOvr>
+  <mc:AlternateContent xmlns:mc="http://schemas.openxmlformats.org/markup-compatibility/2006" xmlns:p14="http://schemas.microsoft.com/office/powerpoint/2010/main">
+    <mc:Choice Requires="p14">
+      <p:transition spd="slow" p14:dur="3400">
+        <p14:reveal/>
+      </p:transition>
+    </mc:Choice>
+    <mc:Fallback xmlns="">
+      <p:transition spd="slow">
+        <p:fade/>
+      </p:transition>
+    </mc:Fallback>
+  </mc:AlternateContent>
+  <p:timing>
+    <p:tnLst>
+      <p:par>
+        <p:cTn id="1" dur="indefinite" restart="never" nodeType="tmRoot">
+          <p:childTnLst>
+            <p:seq concurrent="1" nextAc="seek">
+              <p:cTn id="2" dur="indefinite" nodeType="mainSeq">
+                <p:childTnLst>
+                  <p:par>
+                    <p:cTn id="3" fill="hold">
+                      <p:stCondLst>
+                        <p:cond delay="indefinite"/>
+                      </p:stCondLst>
+                      <p:childTnLst>
+                        <p:par>
+                          <p:cTn id="4" fill="hold">
+                            <p:stCondLst>
+                              <p:cond delay="0"/>
+                            </p:stCondLst>
+                            <p:childTnLst>
+                              <p:par>
+                                <p:cTn id="5" presetID="22" presetClass="entr" presetSubtype="4" fill="hold" grpId="0" nodeType="clickEffect">
+                                  <p:stCondLst>
+                                    <p:cond delay="0"/>
+                                  </p:stCondLst>
+                                  <p:childTnLst>
+                                    <p:set>
+                                      <p:cBhvr>
+                                        <p:cTn id="6" dur="1" fill="hold">
+                                          <p:stCondLst>
+                                            <p:cond delay="0"/>
+                                          </p:stCondLst>
+                                        </p:cTn>
+                                        <p:tgtEl>
+                                          <p:spTgt spid="5"/>
+                                        </p:tgtEl>
+                                        <p:attrNameLst>
+                                          <p:attrName>style.visibility</p:attrName>
+                                        </p:attrNameLst>
+                                      </p:cBhvr>
+                                      <p:to>
+                                        <p:strVal val="visible"/>
+                                      </p:to>
+                                    </p:set>
+                                    <p:animEffect transition="in" filter="wipe(down)">
+                                      <p:cBhvr>
+                                        <p:cTn id="7" dur="500"/>
+                                        <p:tgtEl>
+                                          <p:spTgt spid="5"/>
+                                        </p:tgtEl>
+                                      </p:cBhvr>
+                                    </p:animEffect>
+                                  </p:childTnLst>
+                                </p:cTn>
+                              </p:par>
+                            </p:childTnLst>
+                          </p:cTn>
+                        </p:par>
+                      </p:childTnLst>
+                    </p:cTn>
+                  </p:par>
+                </p:childTnLst>
+              </p:cTn>
+              <p:prevCondLst>
+                <p:cond evt="onPrev" delay="0">
+                  <p:tgtEl>
+                    <p:sldTgt/>
+                  </p:tgtEl>
+                </p:cond>
+              </p:prevCondLst>
+              <p:nextCondLst>
+                <p:cond evt="onNext" delay="0">
+                  <p:tgtEl>
+                    <p:sldTgt/>
+                  </p:tgtEl>
+                </p:cond>
+              </p:nextCondLst>
+            </p:seq>
+          </p:childTnLst>
+        </p:cTn>
+      </p:par>
+    </p:tnLst>
+    <p:bldLst>
+      <p:bldP spid="5" grpId="0"/>
+    </p:bldLst>
+  </p:timing>
+</p:sld>
+</file>
+
+<file path=ppt/slides/slide8.xml><?xml version="1.0" encoding="utf-8"?>
+<p:sld xmlns:a="http://schemas.openxmlformats.org/drawingml/2006/main" xmlns:r="http://schemas.openxmlformats.org/officeDocument/2006/relationships" xmlns:p="http://schemas.openxmlformats.org/presentationml/2006/main" showMasterSp="0">
+  <p:cSld>
+    <p:spTree>
+      <p:nvGrpSpPr>
+        <p:cNvPr id="1" name=""/>
+        <p:cNvGrpSpPr/>
+        <p:nvPr/>
+      </p:nvGrpSpPr>
+      <p:grpSpPr>
+        <a:xfrm>
+          <a:off x="0" y="0"/>
+          <a:ext cx="0" cy="0"/>
+          <a:chOff x="0" y="0"/>
+          <a:chExt cx="0" cy="0"/>
+        </a:xfrm>
+      </p:grpSpPr>
+      <p:pic>
+        <p:nvPicPr>
+          <p:cNvPr id="2050" name="Picture 2" descr="ÐÐ¾Ñ+Ð¾Ð¶ÐµÐµ Ð¸Ð·Ð¾Ð±ÑÐ°Ð¶ÐµÐ½Ð¸Ðµ"/>
+          <p:cNvPicPr>
+            <a:picLocks noChangeAspect="1" noChangeArrowheads="1"/>
           </p:cNvPicPr>
           <p:nvPr/>
         </p:nvPicPr>
@@ -4611,8 +4980,8 @@
         </p:blipFill>
         <p:spPr bwMode="auto">
           <a:xfrm>
-            <a:off x="395536" y="116632"/>
-            <a:ext cx="8255818" cy="6277991"/>
+            <a:off x="8206" y="0"/>
+            <a:ext cx="9234398" cy="6857999"/>
           </a:xfrm>
           <a:prstGeom prst="rect">
             <a:avLst/>
@@ -4632,13 +5001,25 @@
     </p:spTree>
     <p:extLst>
       <p:ext uri="{BB962C8B-B14F-4D97-AF65-F5344CB8AC3E}">
-        <p14:creationId xmlns:p14="http://schemas.microsoft.com/office/powerpoint/2010/main" val="2243759223"/>
+        <p14:creationId xmlns:p14="http://schemas.microsoft.com/office/powerpoint/2010/main" val="2348827646"/>
       </p:ext>
     </p:extLst>
   </p:cSld>
   <p:clrMapOvr>
     <a:masterClrMapping/>
   </p:clrMapOvr>
+  <mc:AlternateContent xmlns:mc="http://schemas.openxmlformats.org/markup-compatibility/2006" xmlns:p14="http://schemas.microsoft.com/office/powerpoint/2010/main">
+    <mc:Choice Requires="p14">
+      <p:transition spd="slow" p14:dur="3400">
+        <p14:reveal/>
+      </p:transition>
+    </mc:Choice>
+    <mc:Fallback xmlns="">
+      <p:transition spd="slow">
+        <p:fade/>
+      </p:transition>
+    </mc:Fallback>
+  </mc:AlternateContent>
   <p:timing>
     <p:tnLst>
       <p:par>
